--- a/docu/media/src/UI_sample.pptx
+++ b/docu/media/src/UI_sample.pptx
@@ -262,7 +262,7 @@
           <a:p>
             <a:fld id="{87CF5CBC-48B6-4287-A5E9-3C9272B842DC}" type="datetimeFigureOut">
               <a:rPr lang="de-DE" smtClean="0"/>
-              <a:t>24.07.2024</a:t>
+              <a:t>27.01.2025</a:t>
             </a:fld>
             <a:endParaRPr lang="de-DE"/>
           </a:p>
@@ -460,7 +460,7 @@
           <a:p>
             <a:fld id="{87CF5CBC-48B6-4287-A5E9-3C9272B842DC}" type="datetimeFigureOut">
               <a:rPr lang="de-DE" smtClean="0"/>
-              <a:t>24.07.2024</a:t>
+              <a:t>27.01.2025</a:t>
             </a:fld>
             <a:endParaRPr lang="de-DE"/>
           </a:p>
@@ -668,7 +668,7 @@
           <a:p>
             <a:fld id="{87CF5CBC-48B6-4287-A5E9-3C9272B842DC}" type="datetimeFigureOut">
               <a:rPr lang="de-DE" smtClean="0"/>
-              <a:t>24.07.2024</a:t>
+              <a:t>27.01.2025</a:t>
             </a:fld>
             <a:endParaRPr lang="de-DE"/>
           </a:p>
@@ -866,7 +866,7 @@
           <a:p>
             <a:fld id="{87CF5CBC-48B6-4287-A5E9-3C9272B842DC}" type="datetimeFigureOut">
               <a:rPr lang="de-DE" smtClean="0"/>
-              <a:t>24.07.2024</a:t>
+              <a:t>27.01.2025</a:t>
             </a:fld>
             <a:endParaRPr lang="de-DE"/>
           </a:p>
@@ -1141,7 +1141,7 @@
           <a:p>
             <a:fld id="{87CF5CBC-48B6-4287-A5E9-3C9272B842DC}" type="datetimeFigureOut">
               <a:rPr lang="de-DE" smtClean="0"/>
-              <a:t>24.07.2024</a:t>
+              <a:t>27.01.2025</a:t>
             </a:fld>
             <a:endParaRPr lang="de-DE"/>
           </a:p>
@@ -1406,7 +1406,7 @@
           <a:p>
             <a:fld id="{87CF5CBC-48B6-4287-A5E9-3C9272B842DC}" type="datetimeFigureOut">
               <a:rPr lang="de-DE" smtClean="0"/>
-              <a:t>24.07.2024</a:t>
+              <a:t>27.01.2025</a:t>
             </a:fld>
             <a:endParaRPr lang="de-DE"/>
           </a:p>
@@ -1818,7 +1818,7 @@
           <a:p>
             <a:fld id="{87CF5CBC-48B6-4287-A5E9-3C9272B842DC}" type="datetimeFigureOut">
               <a:rPr lang="de-DE" smtClean="0"/>
-              <a:t>24.07.2024</a:t>
+              <a:t>27.01.2025</a:t>
             </a:fld>
             <a:endParaRPr lang="de-DE"/>
           </a:p>
@@ -1959,7 +1959,7 @@
           <a:p>
             <a:fld id="{87CF5CBC-48B6-4287-A5E9-3C9272B842DC}" type="datetimeFigureOut">
               <a:rPr lang="de-DE" smtClean="0"/>
-              <a:t>24.07.2024</a:t>
+              <a:t>27.01.2025</a:t>
             </a:fld>
             <a:endParaRPr lang="de-DE"/>
           </a:p>
@@ -2072,7 +2072,7 @@
           <a:p>
             <a:fld id="{87CF5CBC-48B6-4287-A5E9-3C9272B842DC}" type="datetimeFigureOut">
               <a:rPr lang="de-DE" smtClean="0"/>
-              <a:t>24.07.2024</a:t>
+              <a:t>27.01.2025</a:t>
             </a:fld>
             <a:endParaRPr lang="de-DE"/>
           </a:p>
@@ -2383,7 +2383,7 @@
           <a:p>
             <a:fld id="{87CF5CBC-48B6-4287-A5E9-3C9272B842DC}" type="datetimeFigureOut">
               <a:rPr lang="de-DE" smtClean="0"/>
-              <a:t>24.07.2024</a:t>
+              <a:t>27.01.2025</a:t>
             </a:fld>
             <a:endParaRPr lang="de-DE"/>
           </a:p>
@@ -2671,7 +2671,7 @@
           <a:p>
             <a:fld id="{87CF5CBC-48B6-4287-A5E9-3C9272B842DC}" type="datetimeFigureOut">
               <a:rPr lang="de-DE" smtClean="0"/>
-              <a:t>24.07.2024</a:t>
+              <a:t>27.01.2025</a:t>
             </a:fld>
             <a:endParaRPr lang="de-DE"/>
           </a:p>
@@ -2912,7 +2912,7 @@
           <a:p>
             <a:fld id="{87CF5CBC-48B6-4287-A5E9-3C9272B842DC}" type="datetimeFigureOut">
               <a:rPr lang="de-DE" smtClean="0"/>
-              <a:t>24.07.2024</a:t>
+              <a:t>27.01.2025</a:t>
             </a:fld>
             <a:endParaRPr lang="de-DE"/>
           </a:p>
@@ -3784,10 +3784,10 @@
       </p:grpSpPr>
       <p:pic>
         <p:nvPicPr>
-          <p:cNvPr id="3" name="Grafik 2">
-            <a:extLst>
-              <a:ext uri="{FF2B5EF4-FFF2-40B4-BE49-F238E27FC236}">
-                <a16:creationId xmlns:a16="http://schemas.microsoft.com/office/drawing/2014/main" id="{49DE7975-C815-AB80-02E9-8A35834A9596}"/>
+          <p:cNvPr id="12" name="Grafik 11">
+            <a:extLst>
+              <a:ext uri="{FF2B5EF4-FFF2-40B4-BE49-F238E27FC236}">
+                <a16:creationId xmlns:a16="http://schemas.microsoft.com/office/drawing/2014/main" id="{DC194DC0-C48E-560C-5D56-2AFA1DE7092E}"/>
               </a:ext>
             </a:extLst>
           </p:cNvPr>
@@ -3804,8 +3804,8 @@
         </p:blipFill>
         <p:spPr>
           <a:xfrm>
-            <a:off x="0" y="933279"/>
-            <a:ext cx="12192000" cy="4991442"/>
+            <a:off x="0" y="800179"/>
+            <a:ext cx="12192000" cy="5257642"/>
           </a:xfrm>
           <a:prstGeom prst="rect">
             <a:avLst/>
@@ -3826,7 +3826,7 @@
         </p:nvSpPr>
         <p:spPr>
           <a:xfrm>
-            <a:off x="847288" y="2779502"/>
+            <a:off x="914400" y="2373571"/>
             <a:ext cx="282841" cy="282841"/>
           </a:xfrm>
           <a:prstGeom prst="ellipse">
@@ -3887,7 +3887,7 @@
         </p:nvSpPr>
         <p:spPr>
           <a:xfrm>
-            <a:off x="5167618" y="2779502"/>
+            <a:off x="4404220" y="2373571"/>
             <a:ext cx="282841" cy="282841"/>
           </a:xfrm>
           <a:prstGeom prst="ellipse">
@@ -3948,7 +3948,7 @@
         </p:nvSpPr>
         <p:spPr>
           <a:xfrm>
-            <a:off x="9739618" y="2997616"/>
+            <a:off x="8841996" y="2638081"/>
             <a:ext cx="282841" cy="282841"/>
           </a:xfrm>
           <a:prstGeom prst="ellipse">
@@ -4009,7 +4009,7 @@
         </p:nvSpPr>
         <p:spPr>
           <a:xfrm>
-            <a:off x="75501" y="3727458"/>
+            <a:off x="201335" y="3301611"/>
             <a:ext cx="282841" cy="282841"/>
           </a:xfrm>
           <a:prstGeom prst="ellipse">
@@ -4070,7 +4070,7 @@
         </p:nvSpPr>
         <p:spPr>
           <a:xfrm>
-            <a:off x="1135310" y="3727458"/>
+            <a:off x="914400" y="3301611"/>
             <a:ext cx="282841" cy="282841"/>
           </a:xfrm>
           <a:prstGeom prst="ellipse">
@@ -4131,7 +4131,7 @@
         </p:nvSpPr>
         <p:spPr>
           <a:xfrm>
-            <a:off x="1987779" y="3713426"/>
+            <a:off x="1627465" y="3281182"/>
             <a:ext cx="282841" cy="282841"/>
           </a:xfrm>
           <a:prstGeom prst="ellipse">
